--- a/Install Shield.pptx
+++ b/Install Shield.pptx
@@ -31,9 +31,8 @@
     <p:sldId id="434" r:id="rId25"/>
     <p:sldId id="430" r:id="rId26"/>
     <p:sldId id="431" r:id="rId27"/>
-    <p:sldId id="436" r:id="rId28"/>
-    <p:sldId id="437" r:id="rId29"/>
-    <p:sldId id="438" r:id="rId30"/>
+    <p:sldId id="437" r:id="rId28"/>
+    <p:sldId id="438" r:id="rId29"/>
   </p:sldIdLst>
   <p:sldSz cx="12192000" cy="6858000"/>
   <p:notesSz cx="6858000" cy="9144000"/>
@@ -412,7 +411,7 @@
           <a:p>
             <a:fld id="{A5796949-F536-47E5-83D3-359ECBD6D674}" type="datetimeFigureOut">
               <a:rPr lang="ko-KR" altLang="en-US" smtClean="0"/>
-              <a:t>2017-04-05</a:t>
+              <a:t>2017-04-06</a:t>
             </a:fld>
             <a:endParaRPr lang="ko-KR" altLang="en-US"/>
           </a:p>
@@ -608,7 +607,7 @@
           <a:p>
             <a:fld id="{A5796949-F536-47E5-83D3-359ECBD6D674}" type="datetimeFigureOut">
               <a:rPr lang="ko-KR" altLang="en-US" smtClean="0"/>
-              <a:t>2017-04-05</a:t>
+              <a:t>2017-04-06</a:t>
             </a:fld>
             <a:endParaRPr lang="ko-KR" altLang="en-US"/>
           </a:p>
@@ -1004,7 +1003,7 @@
           <a:p>
             <a:fld id="{A5796949-F536-47E5-83D3-359ECBD6D674}" type="datetimeFigureOut">
               <a:rPr lang="ko-KR" altLang="en-US" smtClean="0"/>
-              <a:t>2017-04-05</a:t>
+              <a:t>2017-04-06</a:t>
             </a:fld>
             <a:endParaRPr lang="ko-KR" altLang="en-US"/>
           </a:p>
@@ -1252,7 +1251,7 @@
           <a:p>
             <a:fld id="{A5796949-F536-47E5-83D3-359ECBD6D674}" type="datetimeFigureOut">
               <a:rPr lang="ko-KR" altLang="en-US" smtClean="0"/>
-              <a:t>2017-04-05</a:t>
+              <a:t>2017-04-06</a:t>
             </a:fld>
             <a:endParaRPr lang="ko-KR" altLang="en-US"/>
           </a:p>
@@ -1635,7 +1634,7 @@
           <a:p>
             <a:fld id="{A5796949-F536-47E5-83D3-359ECBD6D674}" type="datetimeFigureOut">
               <a:rPr lang="ko-KR" altLang="en-US" smtClean="0"/>
-              <a:t>2017-04-05</a:t>
+              <a:t>2017-04-06</a:t>
             </a:fld>
             <a:endParaRPr lang="ko-KR" altLang="en-US"/>
           </a:p>
@@ -1769,7 +1768,7 @@
           <a:p>
             <a:fld id="{A5796949-F536-47E5-83D3-359ECBD6D674}" type="datetimeFigureOut">
               <a:rPr lang="ko-KR" altLang="en-US" smtClean="0"/>
-              <a:t>2017-04-05</a:t>
+              <a:t>2017-04-06</a:t>
             </a:fld>
             <a:endParaRPr lang="ko-KR" altLang="en-US"/>
           </a:p>
@@ -2116,7 +2115,7 @@
           <a:p>
             <a:fld id="{A5796949-F536-47E5-83D3-359ECBD6D674}" type="datetimeFigureOut">
               <a:rPr lang="ko-KR" altLang="en-US" smtClean="0"/>
-              <a:t>2017-04-05</a:t>
+              <a:t>2017-04-06</a:t>
             </a:fld>
             <a:endParaRPr lang="ko-KR" altLang="en-US"/>
           </a:p>
@@ -2385,7 +2384,7 @@
           <a:p>
             <a:fld id="{A5796949-F536-47E5-83D3-359ECBD6D674}" type="datetimeFigureOut">
               <a:rPr lang="ko-KR" altLang="en-US" smtClean="0"/>
-              <a:t>2017-04-05</a:t>
+              <a:t>2017-04-06</a:t>
             </a:fld>
             <a:endParaRPr lang="ko-KR" altLang="en-US"/>
           </a:p>
@@ -4118,11 +4117,6 @@
               </a:rPr>
               <a:t>설치</a:t>
             </a:r>
-            <a:endParaRPr lang="ko-KR" altLang="en-US" dirty="0">
-              <a:latin typeface="함초롬돋움" panose="020B0604000101010101" pitchFamily="50" charset="-127"/>
-              <a:ea typeface="함초롬돋움" panose="020B0604000101010101" pitchFamily="50" charset="-127"/>
-              <a:cs typeface="함초롬돋움" panose="020B0604000101010101" pitchFamily="50" charset="-127"/>
-            </a:endParaRPr>
           </a:p>
         </p:txBody>
       </p:sp>
@@ -4517,11 +4511,6 @@
               </a:rPr>
               <a:t>응용 프로그램 배포하기</a:t>
             </a:r>
-            <a:endParaRPr lang="ko-KR" altLang="en-US" dirty="0">
-              <a:latin typeface="함초롬돋움" panose="020B0604000101010101" pitchFamily="50" charset="-127"/>
-              <a:ea typeface="함초롬돋움" panose="020B0604000101010101" pitchFamily="50" charset="-127"/>
-              <a:cs typeface="함초롬돋움" panose="020B0604000101010101" pitchFamily="50" charset="-127"/>
-            </a:endParaRPr>
           </a:p>
         </p:txBody>
       </p:sp>
@@ -4707,11 +4696,6 @@
               </a:rPr>
               <a:t>응용 프로그램 배포하기</a:t>
             </a:r>
-            <a:endParaRPr lang="ko-KR" altLang="en-US" dirty="0">
-              <a:latin typeface="함초롬돋움" panose="020B0604000101010101" pitchFamily="50" charset="-127"/>
-              <a:ea typeface="함초롬돋움" panose="020B0604000101010101" pitchFamily="50" charset="-127"/>
-              <a:cs typeface="함초롬돋움" panose="020B0604000101010101" pitchFamily="50" charset="-127"/>
-            </a:endParaRPr>
           </a:p>
         </p:txBody>
       </p:sp>
@@ -4860,14 +4844,7 @@
                 <a:latin typeface="+mn-ea"/>
                 <a:cs typeface="함초롬돋움" panose="020B0604000101010101" pitchFamily="50" charset="-127"/>
               </a:rPr>
-              <a:t>응용 </a:t>
-            </a:r>
-            <a:r>
-              <a:rPr lang="ko-KR" altLang="en-US" dirty="0" smtClean="0">
-                <a:latin typeface="+mn-ea"/>
-                <a:cs typeface="함초롬돋움" panose="020B0604000101010101" pitchFamily="50" charset="-127"/>
-              </a:rPr>
-              <a:t>프로그램용 배포 프로그램</a:t>
+              <a:t>응용 프로그램용 배포 프로그램</a:t>
             </a:r>
             <a:endParaRPr lang="en-US" altLang="ko-KR" dirty="0" smtClean="0">
               <a:latin typeface="+mn-ea"/>
@@ -5016,11 +4993,6 @@
               </a:rPr>
               <a:t>응용 프로그램 배포하기</a:t>
             </a:r>
-            <a:endParaRPr lang="ko-KR" altLang="en-US" dirty="0">
-              <a:latin typeface="함초롬돋움" panose="020B0604000101010101" pitchFamily="50" charset="-127"/>
-              <a:ea typeface="함초롬돋움" panose="020B0604000101010101" pitchFamily="50" charset="-127"/>
-              <a:cs typeface="함초롬돋움" panose="020B0604000101010101" pitchFamily="50" charset="-127"/>
-            </a:endParaRPr>
           </a:p>
         </p:txBody>
       </p:sp>
@@ -5322,11 +5294,6 @@
               </a:rPr>
               <a:t>응용 프로그램 배포하기</a:t>
             </a:r>
-            <a:endParaRPr lang="ko-KR" altLang="en-US" dirty="0">
-              <a:latin typeface="함초롬돋움" panose="020B0604000101010101" pitchFamily="50" charset="-127"/>
-              <a:ea typeface="함초롬돋움" panose="020B0604000101010101" pitchFamily="50" charset="-127"/>
-              <a:cs typeface="함초롬돋움" panose="020B0604000101010101" pitchFamily="50" charset="-127"/>
-            </a:endParaRPr>
           </a:p>
         </p:txBody>
       </p:sp>
@@ -5704,11 +5671,6 @@
               </a:rPr>
               <a:t>응용 프로그램 배포하기</a:t>
             </a:r>
-            <a:endParaRPr lang="ko-KR" altLang="en-US" dirty="0">
-              <a:latin typeface="함초롬돋움" panose="020B0604000101010101" pitchFamily="50" charset="-127"/>
-              <a:ea typeface="함초롬돋움" panose="020B0604000101010101" pitchFamily="50" charset="-127"/>
-              <a:cs typeface="함초롬돋움" panose="020B0604000101010101" pitchFamily="50" charset="-127"/>
-            </a:endParaRPr>
           </a:p>
         </p:txBody>
       </p:sp>
@@ -6087,11 +6049,6 @@
               </a:rPr>
               <a:t>응용 프로그램 배포하기</a:t>
             </a:r>
-            <a:endParaRPr lang="ko-KR" altLang="en-US" dirty="0">
-              <a:latin typeface="함초롬돋움" panose="020B0604000101010101" pitchFamily="50" charset="-127"/>
-              <a:ea typeface="함초롬돋움" panose="020B0604000101010101" pitchFamily="50" charset="-127"/>
-              <a:cs typeface="함초롬돋움" panose="020B0604000101010101" pitchFamily="50" charset="-127"/>
-            </a:endParaRPr>
           </a:p>
         </p:txBody>
       </p:sp>
@@ -6435,11 +6392,6 @@
               </a:rPr>
               <a:t>응용 프로그램 배포하기</a:t>
             </a:r>
-            <a:endParaRPr lang="ko-KR" altLang="en-US" dirty="0">
-              <a:latin typeface="함초롬돋움" panose="020B0604000101010101" pitchFamily="50" charset="-127"/>
-              <a:ea typeface="함초롬돋움" panose="020B0604000101010101" pitchFamily="50" charset="-127"/>
-              <a:cs typeface="함초롬돋움" panose="020B0604000101010101" pitchFamily="50" charset="-127"/>
-            </a:endParaRPr>
           </a:p>
         </p:txBody>
       </p:sp>
@@ -6751,11 +6703,6 @@
               </a:rPr>
               <a:t>응용 프로그램 배포하기</a:t>
             </a:r>
-            <a:endParaRPr lang="ko-KR" altLang="en-US" dirty="0">
-              <a:latin typeface="함초롬돋움" panose="020B0604000101010101" pitchFamily="50" charset="-127"/>
-              <a:ea typeface="함초롬돋움" panose="020B0604000101010101" pitchFamily="50" charset="-127"/>
-              <a:cs typeface="함초롬돋움" panose="020B0604000101010101" pitchFamily="50" charset="-127"/>
-            </a:endParaRPr>
           </a:p>
         </p:txBody>
       </p:sp>
@@ -6949,11 +6896,6 @@
               </a:rPr>
               <a:t>응용 프로그램 배포하기</a:t>
             </a:r>
-            <a:endParaRPr lang="ko-KR" altLang="en-US" dirty="0">
-              <a:latin typeface="함초롬돋움" panose="020B0604000101010101" pitchFamily="50" charset="-127"/>
-              <a:ea typeface="함초롬돋움" panose="020B0604000101010101" pitchFamily="50" charset="-127"/>
-              <a:cs typeface="함초롬돋움" panose="020B0604000101010101" pitchFamily="50" charset="-127"/>
-            </a:endParaRPr>
           </a:p>
         </p:txBody>
       </p:sp>
@@ -7253,11 +7195,6 @@
               </a:rPr>
               <a:t>응용 프로그램 배포하기</a:t>
             </a:r>
-            <a:endParaRPr lang="ko-KR" altLang="en-US" dirty="0">
-              <a:latin typeface="함초롬돋움" panose="020B0604000101010101" pitchFamily="50" charset="-127"/>
-              <a:ea typeface="함초롬돋움" panose="020B0604000101010101" pitchFamily="50" charset="-127"/>
-              <a:cs typeface="함초롬돋움" panose="020B0604000101010101" pitchFamily="50" charset="-127"/>
-            </a:endParaRPr>
           </a:p>
         </p:txBody>
       </p:sp>
@@ -7341,30 +7278,6 @@
           </a:p>
         </p:txBody>
       </p:sp>
-      <p:pic>
-        <p:nvPicPr>
-          <p:cNvPr id="5" name="그림 4"/>
-          <p:cNvPicPr>
-            <a:picLocks noChangeAspect="1"/>
-          </p:cNvPicPr>
-          <p:nvPr/>
-        </p:nvPicPr>
-        <p:blipFill>
-          <a:blip r:embed="rId3"/>
-          <a:stretch>
-            <a:fillRect/>
-          </a:stretch>
-        </p:blipFill>
-        <p:spPr>
-          <a:xfrm>
-            <a:off x="3912523" y="2786428"/>
-            <a:ext cx="4167448" cy="2083724"/>
-          </a:xfrm>
-          <a:prstGeom prst="rect">
-            <a:avLst/>
-          </a:prstGeom>
-        </p:spPr>
-      </p:pic>
       <p:cxnSp>
         <p:nvCxnSpPr>
           <p:cNvPr id="13" name="직선 화살표 연결선 12"/>
@@ -7372,9 +7285,9 @@
           <p:nvPr/>
         </p:nvCxnSpPr>
         <p:spPr>
-          <a:xfrm>
-            <a:off x="2943162" y="3211038"/>
-            <a:ext cx="1005383" cy="138991"/>
+          <a:xfrm flipV="1">
+            <a:off x="2155762" y="3091421"/>
+            <a:ext cx="1928853" cy="492150"/>
           </a:xfrm>
           <a:prstGeom prst="straightConnector1">
             <a:avLst/>
@@ -7409,8 +7322,8 @@
         </p:nvSpPr>
         <p:spPr>
           <a:xfrm>
-            <a:off x="1593273" y="3091421"/>
-            <a:ext cx="1349889" cy="167167"/>
+            <a:off x="1593273" y="3533855"/>
+            <a:ext cx="562489" cy="113461"/>
           </a:xfrm>
           <a:prstGeom prst="rect">
             <a:avLst/>
@@ -7447,10 +7360,33 @@
           </a:p>
         </p:txBody>
       </p:sp>
+      <p:pic>
+        <p:nvPicPr>
+          <p:cNvPr id="3" name="그림 2"/>
+          <p:cNvPicPr>
+            <a:picLocks noChangeAspect="1"/>
+          </p:cNvPicPr>
+          <p:nvPr/>
+        </p:nvPicPr>
+        <p:blipFill rotWithShape="1">
+          <a:blip r:embed="rId3"/>
+          <a:srcRect l="1" r="24474" b="40444"/>
+          <a:stretch/>
+        </p:blipFill>
+        <p:spPr>
+          <a:xfrm>
+            <a:off x="4084615" y="2936314"/>
+            <a:ext cx="6515652" cy="2846420"/>
+          </a:xfrm>
+          <a:prstGeom prst="rect">
+            <a:avLst/>
+          </a:prstGeom>
+        </p:spPr>
+      </p:pic>
     </p:spTree>
     <p:extLst>
       <p:ext uri="{BB962C8B-B14F-4D97-AF65-F5344CB8AC3E}">
-        <p14:creationId xmlns:p14="http://schemas.microsoft.com/office/powerpoint/2010/main" val="3444827738"/>
+        <p14:creationId xmlns:p14="http://schemas.microsoft.com/office/powerpoint/2010/main" val="2944434187"/>
       </p:ext>
     </p:extLst>
   </p:cSld>
@@ -7484,30 +7420,6 @@
           <a:chExt cx="0" cy="0"/>
         </a:xfrm>
       </p:grpSpPr>
-      <p:pic>
-        <p:nvPicPr>
-          <p:cNvPr id="2" name="그림 1"/>
-          <p:cNvPicPr>
-            <a:picLocks noChangeAspect="1"/>
-          </p:cNvPicPr>
-          <p:nvPr/>
-        </p:nvPicPr>
-        <p:blipFill>
-          <a:blip r:embed="rId2"/>
-          <a:stretch>
-            <a:fillRect/>
-          </a:stretch>
-        </p:blipFill>
-        <p:spPr>
-          <a:xfrm>
-            <a:off x="1488442" y="2360815"/>
-            <a:ext cx="9215116" cy="4269974"/>
-          </a:xfrm>
-          <a:prstGeom prst="rect">
-            <a:avLst/>
-          </a:prstGeom>
-        </p:spPr>
-      </p:pic>
       <p:sp>
         <p:nvSpPr>
           <p:cNvPr id="7" name="제목 1"/>
@@ -7557,290 +7469,6 @@
               </a:rPr>
               <a:t>응용 프로그램 배포하기</a:t>
             </a:r>
-            <a:endParaRPr lang="ko-KR" altLang="en-US" dirty="0">
-              <a:latin typeface="함초롬돋움" panose="020B0604000101010101" pitchFamily="50" charset="-127"/>
-              <a:ea typeface="함초롬돋움" panose="020B0604000101010101" pitchFamily="50" charset="-127"/>
-              <a:cs typeface="함초롬돋움" panose="020B0604000101010101" pitchFamily="50" charset="-127"/>
-            </a:endParaRPr>
-          </a:p>
-        </p:txBody>
-      </p:sp>
-      <p:sp>
-        <p:nvSpPr>
-          <p:cNvPr id="4" name="직사각형 3"/>
-          <p:cNvSpPr/>
-          <p:nvPr/>
-        </p:nvSpPr>
-        <p:spPr>
-          <a:xfrm>
-            <a:off x="8952808" y="6151419"/>
-            <a:ext cx="598517" cy="415636"/>
-          </a:xfrm>
-          <a:prstGeom prst="rect">
-            <a:avLst/>
-          </a:prstGeom>
-          <a:noFill/>
-          <a:ln>
-            <a:solidFill>
-              <a:srgbClr val="FF0000"/>
-            </a:solidFill>
-          </a:ln>
-        </p:spPr>
-        <p:style>
-          <a:lnRef idx="2">
-            <a:schemeClr val="accent1">
-              <a:shade val="50000"/>
-            </a:schemeClr>
-          </a:lnRef>
-          <a:fillRef idx="1">
-            <a:schemeClr val="accent1"/>
-          </a:fillRef>
-          <a:effectRef idx="0">
-            <a:schemeClr val="accent1"/>
-          </a:effectRef>
-          <a:fontRef idx="minor">
-            <a:schemeClr val="lt1"/>
-          </a:fontRef>
-        </p:style>
-        <p:txBody>
-          <a:bodyPr rtlCol="0" anchor="ctr"/>
-          <a:lstStyle/>
-          <a:p>
-            <a:pPr algn="ctr"/>
-            <a:endParaRPr lang="ko-KR" altLang="en-US"/>
-          </a:p>
-        </p:txBody>
-      </p:sp>
-      <p:sp>
-        <p:nvSpPr>
-          <p:cNvPr id="10" name="TextBox 9"/>
-          <p:cNvSpPr txBox="1"/>
-          <p:nvPr/>
-        </p:nvSpPr>
-        <p:spPr>
-          <a:xfrm>
-            <a:off x="1593273" y="1936205"/>
-            <a:ext cx="2699778" cy="369332"/>
-          </a:xfrm>
-          <a:prstGeom prst="rect">
-            <a:avLst/>
-          </a:prstGeom>
-          <a:noFill/>
-        </p:spPr>
-        <p:txBody>
-          <a:bodyPr wrap="none" rtlCol="0">
-            <a:spAutoFit/>
-          </a:bodyPr>
-          <a:lstStyle/>
-          <a:p>
-            <a:pPr marL="285750" indent="-285750">
-              <a:buFont typeface="Arial" panose="020B0604020202020204" pitchFamily="34" charset="0"/>
-              <a:buChar char="•"/>
-            </a:pPr>
-            <a:r>
-              <a:rPr lang="ko-KR" altLang="en-US" dirty="0" smtClean="0"/>
-              <a:t>설치 화면 디자인 설정</a:t>
-            </a:r>
-            <a:endParaRPr lang="ko-KR" altLang="en-US" dirty="0"/>
-          </a:p>
-        </p:txBody>
-      </p:sp>
-      <p:cxnSp>
-        <p:nvCxnSpPr>
-          <p:cNvPr id="13" name="직선 화살표 연결선 12"/>
-          <p:cNvCxnSpPr/>
-          <p:nvPr/>
-        </p:nvCxnSpPr>
-        <p:spPr>
-          <a:xfrm flipV="1">
-            <a:off x="2155762" y="3091421"/>
-            <a:ext cx="1928853" cy="492150"/>
-          </a:xfrm>
-          <a:prstGeom prst="straightConnector1">
-            <a:avLst/>
-          </a:prstGeom>
-          <a:ln>
-            <a:solidFill>
-              <a:srgbClr val="FF0000"/>
-            </a:solidFill>
-            <a:tailEnd type="triangle"/>
-          </a:ln>
-        </p:spPr>
-        <p:style>
-          <a:lnRef idx="1">
-            <a:schemeClr val="accent1"/>
-          </a:lnRef>
-          <a:fillRef idx="0">
-            <a:schemeClr val="accent1"/>
-          </a:fillRef>
-          <a:effectRef idx="0">
-            <a:schemeClr val="accent1"/>
-          </a:effectRef>
-          <a:fontRef idx="minor">
-            <a:schemeClr val="tx1"/>
-          </a:fontRef>
-        </p:style>
-      </p:cxnSp>
-      <p:sp>
-        <p:nvSpPr>
-          <p:cNvPr id="14" name="직사각형 13"/>
-          <p:cNvSpPr/>
-          <p:nvPr/>
-        </p:nvSpPr>
-        <p:spPr>
-          <a:xfrm>
-            <a:off x="1593273" y="3533855"/>
-            <a:ext cx="562489" cy="113461"/>
-          </a:xfrm>
-          <a:prstGeom prst="rect">
-            <a:avLst/>
-          </a:prstGeom>
-          <a:noFill/>
-          <a:ln>
-            <a:solidFill>
-              <a:srgbClr val="FF0000"/>
-            </a:solidFill>
-          </a:ln>
-        </p:spPr>
-        <p:style>
-          <a:lnRef idx="2">
-            <a:schemeClr val="accent1">
-              <a:shade val="50000"/>
-            </a:schemeClr>
-          </a:lnRef>
-          <a:fillRef idx="1">
-            <a:schemeClr val="accent1"/>
-          </a:fillRef>
-          <a:effectRef idx="0">
-            <a:schemeClr val="accent1"/>
-          </a:effectRef>
-          <a:fontRef idx="minor">
-            <a:schemeClr val="lt1"/>
-          </a:fontRef>
-        </p:style>
-        <p:txBody>
-          <a:bodyPr rtlCol="0" anchor="ctr"/>
-          <a:lstStyle/>
-          <a:p>
-            <a:pPr algn="ctr"/>
-            <a:endParaRPr lang="ko-KR" altLang="en-US"/>
-          </a:p>
-        </p:txBody>
-      </p:sp>
-      <p:pic>
-        <p:nvPicPr>
-          <p:cNvPr id="3" name="그림 2"/>
-          <p:cNvPicPr>
-            <a:picLocks noChangeAspect="1"/>
-          </p:cNvPicPr>
-          <p:nvPr/>
-        </p:nvPicPr>
-        <p:blipFill rotWithShape="1">
-          <a:blip r:embed="rId3"/>
-          <a:srcRect l="1" r="24474" b="40444"/>
-          <a:stretch/>
-        </p:blipFill>
-        <p:spPr>
-          <a:xfrm>
-            <a:off x="4084615" y="2936314"/>
-            <a:ext cx="6515652" cy="2846420"/>
-          </a:xfrm>
-          <a:prstGeom prst="rect">
-            <a:avLst/>
-          </a:prstGeom>
-        </p:spPr>
-      </p:pic>
-    </p:spTree>
-    <p:extLst>
-      <p:ext uri="{BB962C8B-B14F-4D97-AF65-F5344CB8AC3E}">
-        <p14:creationId xmlns:p14="http://schemas.microsoft.com/office/powerpoint/2010/main" val="2944434187"/>
-      </p:ext>
-    </p:extLst>
-  </p:cSld>
-  <p:clrMapOvr>
-    <a:masterClrMapping/>
-  </p:clrMapOvr>
-  <p:timing>
-    <p:tnLst>
-      <p:par>
-        <p:cTn id="1" dur="indefinite" restart="never" nodeType="tmRoot"/>
-      </p:par>
-    </p:tnLst>
-  </p:timing>
-</p:sld>
-</file>
-
-<file path=ppt/slides/slide29.xml><?xml version="1.0" encoding="utf-8"?>
-<p:sld xmlns:a="http://schemas.openxmlformats.org/drawingml/2006/main" xmlns:r="http://schemas.openxmlformats.org/officeDocument/2006/relationships" xmlns:p="http://schemas.openxmlformats.org/presentationml/2006/main">
-  <p:cSld>
-    <p:spTree>
-      <p:nvGrpSpPr>
-        <p:cNvPr id="1" name=""/>
-        <p:cNvGrpSpPr/>
-        <p:nvPr/>
-      </p:nvGrpSpPr>
-      <p:grpSpPr>
-        <a:xfrm>
-          <a:off x="0" y="0"/>
-          <a:ext cx="0" cy="0"/>
-          <a:chOff x="0" y="0"/>
-          <a:chExt cx="0" cy="0"/>
-        </a:xfrm>
-      </p:grpSpPr>
-      <p:sp>
-        <p:nvSpPr>
-          <p:cNvPr id="7" name="제목 1"/>
-          <p:cNvSpPr txBox="1">
-            <a:spLocks/>
-          </p:cNvSpPr>
-          <p:nvPr/>
-        </p:nvSpPr>
-        <p:spPr>
-          <a:xfrm>
-            <a:off x="838200" y="365125"/>
-            <a:ext cx="10515600" cy="1090189"/>
-          </a:xfrm>
-          <a:prstGeom prst="rect">
-            <a:avLst/>
-          </a:prstGeom>
-        </p:spPr>
-        <p:txBody>
-          <a:bodyPr vert="horz" lIns="91440" tIns="45720" rIns="91440" bIns="45720" rtlCol="0" anchor="ctr">
-            <a:normAutofit/>
-          </a:bodyPr>
-          <a:lstStyle>
-            <a:lvl1pPr algn="l" defTabSz="914400" rtl="0" eaLnBrk="1" latinLnBrk="1" hangingPunct="1">
-              <a:lnSpc>
-                <a:spcPct val="90000"/>
-              </a:lnSpc>
-              <a:spcBef>
-                <a:spcPct val="0"/>
-              </a:spcBef>
-              <a:buNone/>
-              <a:defRPr sz="4800" kern="1200">
-                <a:solidFill>
-                  <a:schemeClr val="accent4"/>
-                </a:solidFill>
-                <a:latin typeface="+mj-lt"/>
-                <a:ea typeface="+mj-ea"/>
-                <a:cs typeface="+mj-cs"/>
-              </a:defRPr>
-            </a:lvl1pPr>
-          </a:lstStyle>
-          <a:p>
-            <a:r>
-              <a:rPr lang="ko-KR" altLang="en-US" dirty="0">
-                <a:latin typeface="함초롬돋움" panose="020B0604000101010101" pitchFamily="50" charset="-127"/>
-                <a:ea typeface="함초롬돋움" panose="020B0604000101010101" pitchFamily="50" charset="-127"/>
-                <a:cs typeface="함초롬돋움" panose="020B0604000101010101" pitchFamily="50" charset="-127"/>
-              </a:rPr>
-              <a:t>응용 프로그램 배포하기</a:t>
-            </a:r>
-            <a:endParaRPr lang="ko-KR" altLang="en-US" dirty="0">
-              <a:latin typeface="함초롬돋움" panose="020B0604000101010101" pitchFamily="50" charset="-127"/>
-              <a:ea typeface="함초롬돋움" panose="020B0604000101010101" pitchFamily="50" charset="-127"/>
-              <a:cs typeface="함초롬돋움" panose="020B0604000101010101" pitchFamily="50" charset="-127"/>
-            </a:endParaRPr>
           </a:p>
         </p:txBody>
       </p:sp>
